--- a/VCarve Pro V11.0/EasyTools/EasyMDFDoorMaker/Documents/EasyMDFDoorMaker_Ver09.pptx
+++ b/VCarve Pro V11.0/EasyTools/EasyMDFDoorMaker/Documents/EasyMDFDoorMaker_Ver09.pptx
@@ -5,19 +5,20 @@
     <p:sldMasterId id="2147483702" r:id="rId1"/>
   </p:sldMasterIdLst>
   <p:notesMasterIdLst>
-    <p:notesMasterId r:id="rId12"/>
+    <p:notesMasterId r:id="rId13"/>
   </p:notesMasterIdLst>
   <p:sldIdLst>
     <p:sldId id="256" r:id="rId2"/>
     <p:sldId id="257" r:id="rId3"/>
     <p:sldId id="258" r:id="rId4"/>
-    <p:sldId id="262" r:id="rId5"/>
-    <p:sldId id="259" r:id="rId6"/>
-    <p:sldId id="271" r:id="rId7"/>
-    <p:sldId id="263" r:id="rId8"/>
-    <p:sldId id="264" r:id="rId9"/>
-    <p:sldId id="270" r:id="rId10"/>
-    <p:sldId id="272" r:id="rId11"/>
+    <p:sldId id="273" r:id="rId5"/>
+    <p:sldId id="262" r:id="rId6"/>
+    <p:sldId id="259" r:id="rId7"/>
+    <p:sldId id="271" r:id="rId8"/>
+    <p:sldId id="263" r:id="rId9"/>
+    <p:sldId id="264" r:id="rId10"/>
+    <p:sldId id="270" r:id="rId11"/>
+    <p:sldId id="272" r:id="rId12"/>
   </p:sldIdLst>
   <p:sldSz cx="12192000" cy="6858000"/>
   <p:notesSz cx="6858000" cy="9144000"/>
@@ -434,7 +435,7 @@
           <a:p>
             <a:fld id="{E3A507E0-C6EA-4F64-9B5B-46F164EEF2EE}" type="datetimeFigureOut">
               <a:rPr lang="en-US" smtClean="0"/>
-              <a:t>7/26/2021</a:t>
+              <a:t>2/4/2022</a:t>
             </a:fld>
             <a:endParaRPr lang="en-US"/>
           </a:p>
@@ -1032,7 +1033,7 @@
           <a:p>
             <a:fld id="{67A49BB6-636E-44D5-AD54-CE8B972F2E8D}" type="datetime1">
               <a:rPr lang="en-US" smtClean="0"/>
-              <a:t>7/26/2021</a:t>
+              <a:t>2/4/2022</a:t>
             </a:fld>
             <a:endParaRPr lang="en-US"/>
           </a:p>
@@ -1359,7 +1360,7 @@
           <a:p>
             <a:fld id="{D8E0EFAB-AB04-477D-8F1F-E7BF81C96E39}" type="datetime1">
               <a:rPr lang="en-US" smtClean="0"/>
-              <a:t>7/26/2021</a:t>
+              <a:t>2/4/2022</a:t>
             </a:fld>
             <a:endParaRPr lang="en-US"/>
           </a:p>
@@ -1610,7 +1611,7 @@
           <a:p>
             <a:fld id="{1C204518-0667-4C53-B3FB-C289CAF2C430}" type="datetime1">
               <a:rPr lang="en-US" smtClean="0"/>
-              <a:t>7/26/2021</a:t>
+              <a:t>2/4/2022</a:t>
             </a:fld>
             <a:endParaRPr lang="en-US"/>
           </a:p>
@@ -1952,7 +1953,7 @@
           <a:p>
             <a:fld id="{986540E2-C365-4D34-986E-F31B93808A8E}" type="datetime1">
               <a:rPr lang="en-US" smtClean="0"/>
-              <a:t>7/26/2021</a:t>
+              <a:t>2/4/2022</a:t>
             </a:fld>
             <a:endParaRPr lang="en-US"/>
           </a:p>
@@ -2302,7 +2303,7 @@
           <a:p>
             <a:fld id="{C26C61FF-AEF1-4482-A6E4-826051B847E7}" type="datetime1">
               <a:rPr lang="en-US" smtClean="0"/>
-              <a:t>7/26/2021</a:t>
+              <a:t>2/4/2022</a:t>
             </a:fld>
             <a:endParaRPr lang="en-US"/>
           </a:p>
@@ -2679,7 +2680,7 @@
           <a:p>
             <a:fld id="{614063B1-5468-4541-A8ED-27879B055357}" type="datetime1">
               <a:rPr lang="en-US" smtClean="0"/>
-              <a:t>7/26/2021</a:t>
+              <a:t>2/4/2022</a:t>
             </a:fld>
             <a:endParaRPr lang="en-US"/>
           </a:p>
@@ -3152,7 +3153,7 @@
           <a:p>
             <a:fld id="{E7641DC0-E3C2-462C-BF43-C908DA3E60E1}" type="datetime1">
               <a:rPr lang="en-US" smtClean="0"/>
-              <a:t>7/26/2021</a:t>
+              <a:t>2/4/2022</a:t>
             </a:fld>
             <a:endParaRPr lang="en-US"/>
           </a:p>
@@ -3360,7 +3361,7 @@
           <a:p>
             <a:fld id="{AD56F9C2-13D2-4EA1-9F25-AC4C60D0FA05}" type="datetime1">
               <a:rPr lang="en-US" smtClean="0"/>
-              <a:t>7/26/2021</a:t>
+              <a:t>2/4/2022</a:t>
             </a:fld>
             <a:endParaRPr lang="en-US"/>
           </a:p>
@@ -3574,7 +3575,7 @@
           <a:p>
             <a:fld id="{17AD3935-28E7-4DAE-BD4F-2325DB829E1A}" type="datetime1">
               <a:rPr lang="en-US" smtClean="0"/>
-              <a:t>7/26/2021</a:t>
+              <a:t>2/4/2022</a:t>
             </a:fld>
             <a:endParaRPr lang="en-US"/>
           </a:p>
@@ -3809,7 +3810,7 @@
           <a:p>
             <a:fld id="{5BEFBC56-D673-42DF-83B5-ED55B36A4346}" type="datetime1">
               <a:rPr lang="en-US" smtClean="0"/>
-              <a:t>7/26/2021</a:t>
+              <a:t>2/4/2022</a:t>
             </a:fld>
             <a:endParaRPr lang="en-US"/>
           </a:p>
@@ -4060,7 +4061,7 @@
           <a:p>
             <a:fld id="{E79E21A8-2F41-47F7-97D6-D6E12B911E8F}" type="datetime1">
               <a:rPr lang="en-US" smtClean="0"/>
-              <a:t>7/26/2021</a:t>
+              <a:t>2/4/2022</a:t>
             </a:fld>
             <a:endParaRPr lang="en-US"/>
           </a:p>
@@ -4361,7 +4362,7 @@
           <a:p>
             <a:fld id="{26ADF3AC-CAE7-4F9C-A296-EB1AF93DA51F}" type="datetime1">
               <a:rPr lang="en-US" smtClean="0"/>
-              <a:t>7/26/2021</a:t>
+              <a:t>2/4/2022</a:t>
             </a:fld>
             <a:endParaRPr lang="en-US"/>
           </a:p>
@@ -4758,7 +4759,7 @@
           <a:p>
             <a:fld id="{7577FE15-DC32-4C8F-B253-1DC768A7B481}" type="datetime1">
               <a:rPr lang="en-US" smtClean="0"/>
-              <a:t>7/26/2021</a:t>
+              <a:t>2/4/2022</a:t>
             </a:fld>
             <a:endParaRPr lang="en-US"/>
           </a:p>
@@ -4910,7 +4911,7 @@
           <a:p>
             <a:fld id="{2EDD5D02-5A5A-459C-8BFB-4C08862124FD}" type="datetime1">
               <a:rPr lang="en-US" smtClean="0"/>
-              <a:t>7/26/2021</a:t>
+              <a:t>2/4/2022</a:t>
             </a:fld>
             <a:endParaRPr lang="en-US"/>
           </a:p>
@@ -5039,7 +5040,7 @@
           <a:p>
             <a:fld id="{DAF7337E-A9A5-498D-A674-48B3E4784270}" type="datetime1">
               <a:rPr lang="en-US" smtClean="0"/>
-              <a:t>7/26/2021</a:t>
+              <a:t>2/4/2022</a:t>
             </a:fld>
             <a:endParaRPr lang="en-US"/>
           </a:p>
@@ -5297,7 +5298,7 @@
           <a:p>
             <a:fld id="{F3E8DCC5-B00E-4A5B-A35B-0634F25FECED}" type="datetime1">
               <a:rPr lang="en-US" smtClean="0"/>
-              <a:t>7/26/2021</a:t>
+              <a:t>2/4/2022</a:t>
             </a:fld>
             <a:endParaRPr lang="en-US"/>
           </a:p>
@@ -5615,7 +5616,7 @@
           <a:p>
             <a:fld id="{620576F6-573A-4C59-9048-9602D08A74F1}" type="datetime1">
               <a:rPr lang="en-US" smtClean="0"/>
-              <a:t>7/26/2021</a:t>
+              <a:t>2/4/2022</a:t>
             </a:fld>
             <a:endParaRPr lang="en-US"/>
           </a:p>
@@ -5969,7 +5970,7 @@
           <a:p>
             <a:fld id="{62FD761D-DB08-4226-92BF-9EA73E6E9A53}" type="datetime1">
               <a:rPr lang="en-US" smtClean="0"/>
-              <a:t>7/26/2021</a:t>
+              <a:t>2/4/2022</a:t>
             </a:fld>
             <a:endParaRPr lang="en-US"/>
           </a:p>
@@ -6687,7 +6688,7 @@
             <a:pPr algn="l"/>
             <a:r>
               <a:rPr lang="en-US" dirty="0"/>
-              <a:t>Error Log Report</a:t>
+              <a:t>Edit CSV file in Excel or Text editor</a:t>
             </a:r>
           </a:p>
         </p:txBody>
@@ -6745,6 +6746,196 @@
             <a:fld id="{7C986B70-C399-481B-8E1B-1D91C2195225}" type="slidenum">
               <a:rPr lang="en-US" smtClean="0"/>
               <a:t>10</a:t>
+            </a:fld>
+            <a:endParaRPr lang="en-US"/>
+          </a:p>
+        </p:txBody>
+      </p:sp>
+      <p:pic>
+        <p:nvPicPr>
+          <p:cNvPr id="6" name="Picture 5" descr="Graphical user interface&#10;&#10;Description automatically generated">
+            <a:extLst>
+              <a:ext uri="{FF2B5EF4-FFF2-40B4-BE49-F238E27FC236}">
+                <a16:creationId xmlns:a16="http://schemas.microsoft.com/office/drawing/2014/main" id="{3319AB43-2412-42C2-B7DC-06A5AB11B163}"/>
+              </a:ext>
+            </a:extLst>
+          </p:cNvPr>
+          <p:cNvPicPr>
+            <a:picLocks noChangeAspect="1"/>
+          </p:cNvPicPr>
+          <p:nvPr/>
+        </p:nvPicPr>
+        <p:blipFill>
+          <a:blip r:embed="rId2">
+            <a:extLst>
+              <a:ext uri="{28A0092B-C50C-407E-A947-70E740481C1C}">
+                <a14:useLocalDpi xmlns:a14="http://schemas.microsoft.com/office/drawing/2010/main" val="0"/>
+              </a:ext>
+            </a:extLst>
+          </a:blip>
+          <a:stretch>
+            <a:fillRect/>
+          </a:stretch>
+        </p:blipFill>
+        <p:spPr>
+          <a:xfrm>
+            <a:off x="262543" y="891832"/>
+            <a:ext cx="6523285" cy="5464013"/>
+          </a:xfrm>
+          <a:prstGeom prst="rect">
+            <a:avLst/>
+          </a:prstGeom>
+        </p:spPr>
+      </p:pic>
+      <p:pic>
+        <p:nvPicPr>
+          <p:cNvPr id="8" name="Picture 7">
+            <a:extLst>
+              <a:ext uri="{FF2B5EF4-FFF2-40B4-BE49-F238E27FC236}">
+                <a16:creationId xmlns:a16="http://schemas.microsoft.com/office/drawing/2014/main" id="{C9170950-C07A-4DA7-9E75-DB913D70A37B}"/>
+              </a:ext>
+            </a:extLst>
+          </p:cNvPr>
+          <p:cNvPicPr>
+            <a:picLocks noChangeAspect="1"/>
+          </p:cNvPicPr>
+          <p:nvPr/>
+        </p:nvPicPr>
+        <p:blipFill>
+          <a:blip r:embed="rId3"/>
+          <a:stretch>
+            <a:fillRect/>
+          </a:stretch>
+        </p:blipFill>
+        <p:spPr>
+          <a:xfrm>
+            <a:off x="4366289" y="1325563"/>
+            <a:ext cx="4839077" cy="5303629"/>
+          </a:xfrm>
+          <a:prstGeom prst="rect">
+            <a:avLst/>
+          </a:prstGeom>
+        </p:spPr>
+      </p:pic>
+    </p:spTree>
+    <p:extLst>
+      <p:ext uri="{BB962C8B-B14F-4D97-AF65-F5344CB8AC3E}">
+        <p14:creationId xmlns:p14="http://schemas.microsoft.com/office/powerpoint/2010/main" val="3473359393"/>
+      </p:ext>
+    </p:extLst>
+  </p:cSld>
+  <p:clrMapOvr>
+    <a:masterClrMapping/>
+  </p:clrMapOvr>
+</p:sld>
+</file>
+
+<file path=ppt/slides/slide11.xml><?xml version="1.0" encoding="utf-8"?>
+<p:sld xmlns:a="http://schemas.openxmlformats.org/drawingml/2006/main" xmlns:r="http://schemas.openxmlformats.org/officeDocument/2006/relationships" xmlns:p="http://schemas.openxmlformats.org/presentationml/2006/main">
+  <p:cSld>
+    <p:spTree>
+      <p:nvGrpSpPr>
+        <p:cNvPr id="1" name=""/>
+        <p:cNvGrpSpPr/>
+        <p:nvPr/>
+      </p:nvGrpSpPr>
+      <p:grpSpPr>
+        <a:xfrm>
+          <a:off x="0" y="0"/>
+          <a:ext cx="0" cy="0"/>
+          <a:chOff x="0" y="0"/>
+          <a:chExt cx="0" cy="0"/>
+        </a:xfrm>
+      </p:grpSpPr>
+      <p:sp>
+        <p:nvSpPr>
+          <p:cNvPr id="2" name="Title 1">
+            <a:extLst>
+              <a:ext uri="{FF2B5EF4-FFF2-40B4-BE49-F238E27FC236}">
+                <a16:creationId xmlns:a16="http://schemas.microsoft.com/office/drawing/2014/main" id="{8D588E9A-A15F-4D3C-A765-1DEFCD9AFDB1}"/>
+              </a:ext>
+            </a:extLst>
+          </p:cNvPr>
+          <p:cNvSpPr>
+            <a:spLocks noGrp="1"/>
+          </p:cNvSpPr>
+          <p:nvPr>
+            <p:ph type="title"/>
+          </p:nvPr>
+        </p:nvSpPr>
+        <p:spPr>
+          <a:xfrm>
+            <a:off x="0" y="1"/>
+            <a:ext cx="10515600" cy="511039"/>
+          </a:xfrm>
+        </p:spPr>
+        <p:txBody>
+          <a:bodyPr>
+            <a:normAutofit fontScale="90000"/>
+          </a:bodyPr>
+          <a:lstStyle/>
+          <a:p>
+            <a:pPr algn="l"/>
+            <a:r>
+              <a:rPr lang="en-US" dirty="0"/>
+              <a:t>Error Log Report</a:t>
+            </a:r>
+          </a:p>
+        </p:txBody>
+      </p:sp>
+      <p:sp>
+        <p:nvSpPr>
+          <p:cNvPr id="4" name="Footer Placeholder 3">
+            <a:extLst>
+              <a:ext uri="{FF2B5EF4-FFF2-40B4-BE49-F238E27FC236}">
+                <a16:creationId xmlns:a16="http://schemas.microsoft.com/office/drawing/2014/main" id="{872E140C-9B3D-4B52-9AB6-68148DD4C9C2}"/>
+              </a:ext>
+            </a:extLst>
+          </p:cNvPr>
+          <p:cNvSpPr>
+            <a:spLocks noGrp="1"/>
+          </p:cNvSpPr>
+          <p:nvPr>
+            <p:ph type="ftr" sz="quarter" idx="11"/>
+          </p:nvPr>
+        </p:nvSpPr>
+        <p:spPr/>
+        <p:txBody>
+          <a:bodyPr/>
+          <a:lstStyle/>
+          <a:p>
+            <a:r>
+              <a:rPr lang="en-US"/>
+              <a:t>Easy MDF Door Maker</a:t>
+            </a:r>
+            <a:endParaRPr lang="en-US" dirty="0"/>
+          </a:p>
+        </p:txBody>
+      </p:sp>
+      <p:sp>
+        <p:nvSpPr>
+          <p:cNvPr id="5" name="Slide Number Placeholder 4">
+            <a:extLst>
+              <a:ext uri="{FF2B5EF4-FFF2-40B4-BE49-F238E27FC236}">
+                <a16:creationId xmlns:a16="http://schemas.microsoft.com/office/drawing/2014/main" id="{44BC5CD6-ED68-416F-8458-7D6DC6F6BAD6}"/>
+              </a:ext>
+            </a:extLst>
+          </p:cNvPr>
+          <p:cNvSpPr>
+            <a:spLocks noGrp="1"/>
+          </p:cNvSpPr>
+          <p:nvPr>
+            <p:ph type="sldNum" sz="quarter" idx="12"/>
+          </p:nvPr>
+        </p:nvSpPr>
+        <p:spPr/>
+        <p:txBody>
+          <a:bodyPr/>
+          <a:lstStyle/>
+          <a:p>
+            <a:fld id="{7C986B70-C399-481B-8E1B-1D91C2195225}" type="slidenum">
+              <a:rPr lang="en-US" smtClean="0"/>
+              <a:t>11</a:t>
             </a:fld>
             <a:endParaRPr lang="en-US"/>
           </a:p>
@@ -6818,10 +7009,10 @@
       </p:grpSpPr>
       <p:pic>
         <p:nvPicPr>
-          <p:cNvPr id="6" name="Picture 5" descr="Graphical user interface, application, email&#10;&#10;Description automatically generated">
+          <p:cNvPr id="3" name="Picture 2" descr="Graphical user interface, text, application, email&#10;&#10;Description automatically generated">
             <a:extLst>
               <a:ext uri="{FF2B5EF4-FFF2-40B4-BE49-F238E27FC236}">
-                <a16:creationId xmlns:a16="http://schemas.microsoft.com/office/drawing/2014/main" id="{4FEFECE0-0D7D-4B54-A035-3A84D8872F90}"/>
+                <a16:creationId xmlns:a16="http://schemas.microsoft.com/office/drawing/2014/main" id="{4E6F796C-2DB7-4856-A524-52040C9B65B3}"/>
               </a:ext>
             </a:extLst>
           </p:cNvPr>
@@ -6844,8 +7035,8 @@
         </p:blipFill>
         <p:spPr>
           <a:xfrm>
-            <a:off x="1958180" y="1083031"/>
-            <a:ext cx="7950483" cy="4404132"/>
+            <a:off x="2147252" y="1177274"/>
+            <a:ext cx="8039608" cy="4347438"/>
           </a:xfrm>
           <a:prstGeom prst="rect">
             <a:avLst/>
@@ -6960,7 +7151,7 @@
         </p:nvSpPr>
         <p:spPr>
           <a:xfrm>
-            <a:off x="67568" y="1684422"/>
+            <a:off x="307740" y="1605637"/>
             <a:ext cx="1792552" cy="575733"/>
           </a:xfrm>
           <a:prstGeom prst="wedgeRectCallout">
@@ -7116,7 +7307,7 @@
         </p:nvSpPr>
         <p:spPr>
           <a:xfrm>
-            <a:off x="63864" y="4120138"/>
+            <a:off x="243061" y="4133692"/>
             <a:ext cx="1676400" cy="575733"/>
           </a:xfrm>
           <a:prstGeom prst="wedgeRectCallout">
@@ -7173,8 +7364,8 @@
           </a:xfrm>
           <a:prstGeom prst="wedgeRectCallout">
             <a:avLst>
-              <a:gd name="adj1" fmla="val -64921"/>
-              <a:gd name="adj2" fmla="val -111709"/>
+              <a:gd name="adj1" fmla="val -53392"/>
+              <a:gd name="adj2" fmla="val -92554"/>
             </a:avLst>
           </a:prstGeom>
         </p:spPr>
@@ -7272,7 +7463,7 @@
         </p:nvSpPr>
         <p:spPr>
           <a:xfrm>
-            <a:off x="125644" y="2857614"/>
+            <a:off x="243061" y="3105801"/>
             <a:ext cx="1676400" cy="854966"/>
           </a:xfrm>
           <a:prstGeom prst="wedgeRectCallout">
@@ -7329,8 +7520,8 @@
           </a:xfrm>
           <a:prstGeom prst="wedgeRectCallout">
             <a:avLst>
-              <a:gd name="adj1" fmla="val -38452"/>
-              <a:gd name="adj2" fmla="val -226973"/>
+              <a:gd name="adj1" fmla="val -27241"/>
+              <a:gd name="adj2" fmla="val -367685"/>
             </a:avLst>
           </a:prstGeom>
         </p:spPr>
@@ -7376,13 +7567,13 @@
         </p:nvSpPr>
         <p:spPr>
           <a:xfrm>
-            <a:off x="6191733" y="5670022"/>
-            <a:ext cx="2121568" cy="575733"/>
+            <a:off x="5694934" y="5640679"/>
+            <a:ext cx="2088964" cy="575733"/>
           </a:xfrm>
           <a:prstGeom prst="wedgeRectCallout">
             <a:avLst>
-              <a:gd name="adj1" fmla="val -56872"/>
-              <a:gd name="adj2" fmla="val -379963"/>
+              <a:gd name="adj1" fmla="val -79556"/>
+              <a:gd name="adj2" fmla="val -368818"/>
             </a:avLst>
           </a:prstGeom>
         </p:spPr>
@@ -7466,6 +7657,109 @@
           </a:p>
         </p:txBody>
       </p:sp>
+      <p:sp>
+        <p:nvSpPr>
+          <p:cNvPr id="7" name="Isosceles Triangle 6">
+            <a:extLst>
+              <a:ext uri="{FF2B5EF4-FFF2-40B4-BE49-F238E27FC236}">
+                <a16:creationId xmlns:a16="http://schemas.microsoft.com/office/drawing/2014/main" id="{C7F7AA48-FC85-4E6F-BA61-CAD9CA06CEC0}"/>
+              </a:ext>
+            </a:extLst>
+          </p:cNvPr>
+          <p:cNvSpPr/>
+          <p:nvPr/>
+        </p:nvSpPr>
+        <p:spPr>
+          <a:xfrm rot="1837148">
+            <a:off x="8390497" y="3931822"/>
+            <a:ext cx="329903" cy="1923067"/>
+          </a:xfrm>
+          <a:prstGeom prst="triangle">
+            <a:avLst>
+              <a:gd name="adj" fmla="val 0"/>
+            </a:avLst>
+          </a:prstGeom>
+        </p:spPr>
+        <p:style>
+          <a:lnRef idx="2">
+            <a:schemeClr val="accent1">
+              <a:shade val="50000"/>
+            </a:schemeClr>
+          </a:lnRef>
+          <a:fillRef idx="1">
+            <a:schemeClr val="accent1"/>
+          </a:fillRef>
+          <a:effectRef idx="0">
+            <a:schemeClr val="accent1"/>
+          </a:effectRef>
+          <a:fontRef idx="minor">
+            <a:schemeClr val="lt1"/>
+          </a:fontRef>
+        </p:style>
+        <p:txBody>
+          <a:bodyPr rtlCol="0" anchor="ctr"/>
+          <a:lstStyle/>
+          <a:p>
+            <a:pPr algn="ctr"/>
+            <a:endParaRPr lang="en-US"/>
+          </a:p>
+        </p:txBody>
+      </p:sp>
+      <p:sp>
+        <p:nvSpPr>
+          <p:cNvPr id="20" name="Speech Bubble: Rectangle 19">
+            <a:extLst>
+              <a:ext uri="{FF2B5EF4-FFF2-40B4-BE49-F238E27FC236}">
+                <a16:creationId xmlns:a16="http://schemas.microsoft.com/office/drawing/2014/main" id="{F2472341-7AE3-4C8B-8501-E2A32297A5DB}"/>
+              </a:ext>
+            </a:extLst>
+          </p:cNvPr>
+          <p:cNvSpPr/>
+          <p:nvPr/>
+        </p:nvSpPr>
+        <p:spPr>
+          <a:xfrm>
+            <a:off x="7900737" y="5640678"/>
+            <a:ext cx="1676400" cy="575733"/>
+          </a:xfrm>
+          <a:prstGeom prst="wedgeRectCallout">
+            <a:avLst>
+              <a:gd name="adj1" fmla="val -24159"/>
+              <a:gd name="adj2" fmla="val -32953"/>
+            </a:avLst>
+          </a:prstGeom>
+          <a:ln>
+            <a:noFill/>
+          </a:ln>
+        </p:spPr>
+        <p:style>
+          <a:lnRef idx="2">
+            <a:schemeClr val="accent1">
+              <a:shade val="50000"/>
+            </a:schemeClr>
+          </a:lnRef>
+          <a:fillRef idx="1">
+            <a:schemeClr val="accent1"/>
+          </a:fillRef>
+          <a:effectRef idx="0">
+            <a:schemeClr val="accent1"/>
+          </a:effectRef>
+          <a:fontRef idx="minor">
+            <a:schemeClr val="lt1"/>
+          </a:fontRef>
+        </p:style>
+        <p:txBody>
+          <a:bodyPr rtlCol="0" anchor="ctr"/>
+          <a:lstStyle/>
+          <a:p>
+            <a:pPr algn="ctr"/>
+            <a:r>
+              <a:rPr lang="en-US" dirty="0"/>
+              <a:t>Add Scribe Lines</a:t>
+            </a:r>
+          </a:p>
+        </p:txBody>
+      </p:sp>
     </p:spTree>
     <p:extLst>
       <p:ext uri="{BB962C8B-B14F-4D97-AF65-F5344CB8AC3E}">
@@ -7480,6 +7774,269 @@
 </file>
 
 <file path=ppt/slides/slide3.xml><?xml version="1.0" encoding="utf-8"?>
+<p:sld xmlns:a="http://schemas.openxmlformats.org/drawingml/2006/main" xmlns:r="http://schemas.openxmlformats.org/officeDocument/2006/relationships" xmlns:p="http://schemas.openxmlformats.org/presentationml/2006/main">
+  <p:cSld>
+    <p:spTree>
+      <p:nvGrpSpPr>
+        <p:cNvPr id="1" name=""/>
+        <p:cNvGrpSpPr/>
+        <p:nvPr/>
+      </p:nvGrpSpPr>
+      <p:grpSpPr>
+        <a:xfrm>
+          <a:off x="0" y="0"/>
+          <a:ext cx="0" cy="0"/>
+          <a:chOff x="0" y="0"/>
+          <a:chExt cx="0" cy="0"/>
+        </a:xfrm>
+      </p:grpSpPr>
+      <p:pic>
+        <p:nvPicPr>
+          <p:cNvPr id="6" name="Picture 5" descr="Shape, square&#10;&#10;Description automatically generated">
+            <a:extLst>
+              <a:ext uri="{FF2B5EF4-FFF2-40B4-BE49-F238E27FC236}">
+                <a16:creationId xmlns:a16="http://schemas.microsoft.com/office/drawing/2014/main" id="{428BA23B-AC85-4043-9E07-2538D3F06664}"/>
+              </a:ext>
+            </a:extLst>
+          </p:cNvPr>
+          <p:cNvPicPr>
+            <a:picLocks noChangeAspect="1"/>
+          </p:cNvPicPr>
+          <p:nvPr/>
+        </p:nvPicPr>
+        <p:blipFill>
+          <a:blip r:embed="rId2">
+            <a:extLst>
+              <a:ext uri="{28A0092B-C50C-407E-A947-70E740481C1C}">
+                <a14:useLocalDpi xmlns:a14="http://schemas.microsoft.com/office/drawing/2010/main" val="0"/>
+              </a:ext>
+            </a:extLst>
+          </a:blip>
+          <a:stretch>
+            <a:fillRect/>
+          </a:stretch>
+        </p:blipFill>
+        <p:spPr>
+          <a:xfrm>
+            <a:off x="3306156" y="1548988"/>
+            <a:ext cx="5688200" cy="4268382"/>
+          </a:xfrm>
+          <a:prstGeom prst="rect">
+            <a:avLst/>
+          </a:prstGeom>
+        </p:spPr>
+      </p:pic>
+      <p:sp>
+        <p:nvSpPr>
+          <p:cNvPr id="2" name="Title 1">
+            <a:extLst>
+              <a:ext uri="{FF2B5EF4-FFF2-40B4-BE49-F238E27FC236}">
+                <a16:creationId xmlns:a16="http://schemas.microsoft.com/office/drawing/2014/main" id="{51E37C6C-2DDD-4AEB-BC2E-5F9A1AC4A393}"/>
+              </a:ext>
+            </a:extLst>
+          </p:cNvPr>
+          <p:cNvSpPr>
+            <a:spLocks noGrp="1"/>
+          </p:cNvSpPr>
+          <p:nvPr>
+            <p:ph type="title"/>
+          </p:nvPr>
+        </p:nvSpPr>
+        <p:spPr>
+          <a:xfrm>
+            <a:off x="-4834" y="1"/>
+            <a:ext cx="10515600" cy="473242"/>
+          </a:xfrm>
+        </p:spPr>
+        <p:txBody>
+          <a:bodyPr>
+            <a:normAutofit fontScale="90000"/>
+          </a:bodyPr>
+          <a:lstStyle/>
+          <a:p>
+            <a:pPr algn="l"/>
+            <a:r>
+              <a:rPr lang="en-US" dirty="0"/>
+              <a:t>Scribe Lines</a:t>
+            </a:r>
+          </a:p>
+        </p:txBody>
+      </p:sp>
+      <p:sp>
+        <p:nvSpPr>
+          <p:cNvPr id="4" name="Footer Placeholder 3">
+            <a:extLst>
+              <a:ext uri="{FF2B5EF4-FFF2-40B4-BE49-F238E27FC236}">
+                <a16:creationId xmlns:a16="http://schemas.microsoft.com/office/drawing/2014/main" id="{872E140C-9B3D-4B52-9AB6-68148DD4C9C2}"/>
+              </a:ext>
+            </a:extLst>
+          </p:cNvPr>
+          <p:cNvSpPr>
+            <a:spLocks noGrp="1"/>
+          </p:cNvSpPr>
+          <p:nvPr>
+            <p:ph type="ftr" sz="quarter" idx="11"/>
+          </p:nvPr>
+        </p:nvSpPr>
+        <p:spPr/>
+        <p:txBody>
+          <a:bodyPr/>
+          <a:lstStyle/>
+          <a:p>
+            <a:r>
+              <a:rPr lang="en-US"/>
+              <a:t>Easy MDF Door Maker</a:t>
+            </a:r>
+            <a:endParaRPr lang="en-US" dirty="0"/>
+          </a:p>
+        </p:txBody>
+      </p:sp>
+      <p:sp>
+        <p:nvSpPr>
+          <p:cNvPr id="5" name="Slide Number Placeholder 4">
+            <a:extLst>
+              <a:ext uri="{FF2B5EF4-FFF2-40B4-BE49-F238E27FC236}">
+                <a16:creationId xmlns:a16="http://schemas.microsoft.com/office/drawing/2014/main" id="{44BC5CD6-ED68-416F-8458-7D6DC6F6BAD6}"/>
+              </a:ext>
+            </a:extLst>
+          </p:cNvPr>
+          <p:cNvSpPr>
+            <a:spLocks noGrp="1"/>
+          </p:cNvSpPr>
+          <p:nvPr>
+            <p:ph type="sldNum" sz="quarter" idx="12"/>
+          </p:nvPr>
+        </p:nvSpPr>
+        <p:spPr/>
+        <p:txBody>
+          <a:bodyPr/>
+          <a:lstStyle/>
+          <a:p>
+            <a:fld id="{7C986B70-C399-481B-8E1B-1D91C2195225}" type="slidenum">
+              <a:rPr lang="en-US" smtClean="0"/>
+              <a:t>3</a:t>
+            </a:fld>
+            <a:endParaRPr lang="en-US"/>
+          </a:p>
+        </p:txBody>
+      </p:sp>
+      <p:sp>
+        <p:nvSpPr>
+          <p:cNvPr id="9" name="Speech Bubble: Rectangle 8">
+            <a:extLst>
+              <a:ext uri="{FF2B5EF4-FFF2-40B4-BE49-F238E27FC236}">
+                <a16:creationId xmlns:a16="http://schemas.microsoft.com/office/drawing/2014/main" id="{B560635D-98A2-43BF-8B6E-41161E8EE282}"/>
+              </a:ext>
+            </a:extLst>
+          </p:cNvPr>
+          <p:cNvSpPr/>
+          <p:nvPr/>
+        </p:nvSpPr>
+        <p:spPr>
+          <a:xfrm>
+            <a:off x="789621" y="1616492"/>
+            <a:ext cx="2000250" cy="645694"/>
+          </a:xfrm>
+          <a:prstGeom prst="wedgeRectCallout">
+            <a:avLst>
+              <a:gd name="adj1" fmla="val 90177"/>
+              <a:gd name="adj2" fmla="val 44914"/>
+            </a:avLst>
+          </a:prstGeom>
+        </p:spPr>
+        <p:style>
+          <a:lnRef idx="2">
+            <a:schemeClr val="accent1">
+              <a:shade val="50000"/>
+            </a:schemeClr>
+          </a:lnRef>
+          <a:fillRef idx="1">
+            <a:schemeClr val="accent1"/>
+          </a:fillRef>
+          <a:effectRef idx="0">
+            <a:schemeClr val="accent1"/>
+          </a:effectRef>
+          <a:fontRef idx="minor">
+            <a:schemeClr val="lt1"/>
+          </a:fontRef>
+        </p:style>
+        <p:txBody>
+          <a:bodyPr rtlCol="0" anchor="ctr"/>
+          <a:lstStyle/>
+          <a:p>
+            <a:pPr algn="r"/>
+            <a:r>
+              <a:rPr lang="en-US" dirty="0"/>
+              <a:t>Without Scribe Lines</a:t>
+            </a:r>
+          </a:p>
+        </p:txBody>
+      </p:sp>
+      <p:sp>
+        <p:nvSpPr>
+          <p:cNvPr id="11" name="Speech Bubble: Rectangle 10">
+            <a:extLst>
+              <a:ext uri="{FF2B5EF4-FFF2-40B4-BE49-F238E27FC236}">
+                <a16:creationId xmlns:a16="http://schemas.microsoft.com/office/drawing/2014/main" id="{60077494-52EC-4D9B-A194-072C974BED99}"/>
+              </a:ext>
+            </a:extLst>
+          </p:cNvPr>
+          <p:cNvSpPr/>
+          <p:nvPr/>
+        </p:nvSpPr>
+        <p:spPr>
+          <a:xfrm>
+            <a:off x="9257346" y="1573630"/>
+            <a:ext cx="1639252" cy="731419"/>
+          </a:xfrm>
+          <a:prstGeom prst="wedgeRectCallout">
+            <a:avLst>
+              <a:gd name="adj1" fmla="val -89920"/>
+              <a:gd name="adj2" fmla="val 44135"/>
+            </a:avLst>
+          </a:prstGeom>
+        </p:spPr>
+        <p:style>
+          <a:lnRef idx="2">
+            <a:schemeClr val="accent1">
+              <a:shade val="50000"/>
+            </a:schemeClr>
+          </a:lnRef>
+          <a:fillRef idx="1">
+            <a:schemeClr val="accent1"/>
+          </a:fillRef>
+          <a:effectRef idx="0">
+            <a:schemeClr val="accent1"/>
+          </a:effectRef>
+          <a:fontRef idx="minor">
+            <a:schemeClr val="lt1"/>
+          </a:fontRef>
+        </p:style>
+        <p:txBody>
+          <a:bodyPr rtlCol="0" anchor="ctr"/>
+          <a:lstStyle/>
+          <a:p>
+            <a:r>
+              <a:rPr lang="en-US" dirty="0"/>
+              <a:t>With Scribe Lines</a:t>
+            </a:r>
+          </a:p>
+        </p:txBody>
+      </p:sp>
+    </p:spTree>
+    <p:extLst>
+      <p:ext uri="{BB962C8B-B14F-4D97-AF65-F5344CB8AC3E}">
+        <p14:creationId xmlns:p14="http://schemas.microsoft.com/office/powerpoint/2010/main" val="2982300409"/>
+      </p:ext>
+    </p:extLst>
+  </p:cSld>
+  <p:clrMapOvr>
+    <a:masterClrMapping/>
+  </p:clrMapOvr>
+</p:sld>
+</file>
+
+<file path=ppt/slides/slide4.xml><?xml version="1.0" encoding="utf-8"?>
 <p:sld xmlns:a="http://schemas.openxmlformats.org/drawingml/2006/main" xmlns:r="http://schemas.openxmlformats.org/officeDocument/2006/relationships" xmlns:p="http://schemas.openxmlformats.org/presentationml/2006/main">
   <p:cSld>
     <p:spTree>
@@ -7620,7 +8177,7 @@
           <a:p>
             <a:fld id="{7C986B70-C399-481B-8E1B-1D91C2195225}" type="slidenum">
               <a:rPr lang="en-US" smtClean="0"/>
-              <a:t>3</a:t>
+              <a:t>4</a:t>
             </a:fld>
             <a:endParaRPr lang="en-US"/>
           </a:p>
@@ -7681,522 +8238,7 @@
     </p:spTree>
     <p:extLst>
       <p:ext uri="{BB962C8B-B14F-4D97-AF65-F5344CB8AC3E}">
-        <p14:creationId xmlns:p14="http://schemas.microsoft.com/office/powerpoint/2010/main" val="2982300409"/>
-      </p:ext>
-    </p:extLst>
-  </p:cSld>
-  <p:clrMapOvr>
-    <a:masterClrMapping/>
-  </p:clrMapOvr>
-</p:sld>
-</file>
-
-<file path=ppt/slides/slide4.xml><?xml version="1.0" encoding="utf-8"?>
-<p:sld xmlns:a="http://schemas.openxmlformats.org/drawingml/2006/main" xmlns:r="http://schemas.openxmlformats.org/officeDocument/2006/relationships" xmlns:p="http://schemas.openxmlformats.org/presentationml/2006/main">
-  <p:cSld>
-    <p:spTree>
-      <p:nvGrpSpPr>
-        <p:cNvPr id="1" name=""/>
-        <p:cNvGrpSpPr/>
-        <p:nvPr/>
-      </p:nvGrpSpPr>
-      <p:grpSpPr>
-        <a:xfrm>
-          <a:off x="0" y="0"/>
-          <a:ext cx="0" cy="0"/>
-          <a:chOff x="0" y="0"/>
-          <a:chExt cx="0" cy="0"/>
-        </a:xfrm>
-      </p:grpSpPr>
-      <p:pic>
-        <p:nvPicPr>
-          <p:cNvPr id="6" name="Picture 5" descr="Graphical user interface, application, email&#10;&#10;Description automatically generated">
-            <a:extLst>
-              <a:ext uri="{FF2B5EF4-FFF2-40B4-BE49-F238E27FC236}">
-                <a16:creationId xmlns:a16="http://schemas.microsoft.com/office/drawing/2014/main" id="{9E81C6D4-FF42-47E9-B40A-94994028B5D3}"/>
-              </a:ext>
-            </a:extLst>
-          </p:cNvPr>
-          <p:cNvPicPr>
-            <a:picLocks noChangeAspect="1"/>
-          </p:cNvPicPr>
-          <p:nvPr/>
-        </p:nvPicPr>
-        <p:blipFill>
-          <a:blip r:embed="rId2">
-            <a:extLst>
-              <a:ext uri="{28A0092B-C50C-407E-A947-70E740481C1C}">
-                <a14:useLocalDpi xmlns:a14="http://schemas.microsoft.com/office/drawing/2010/main" val="0"/>
-              </a:ext>
-            </a:extLst>
-          </a:blip>
-          <a:stretch>
-            <a:fillRect/>
-          </a:stretch>
-        </p:blipFill>
-        <p:spPr>
-          <a:xfrm>
-            <a:off x="2333126" y="1284288"/>
-            <a:ext cx="7823532" cy="4658672"/>
-          </a:xfrm>
-          <a:prstGeom prst="rect">
-            <a:avLst/>
-          </a:prstGeom>
-        </p:spPr>
-      </p:pic>
-      <p:sp>
-        <p:nvSpPr>
-          <p:cNvPr id="2" name="Title 1">
-            <a:extLst>
-              <a:ext uri="{FF2B5EF4-FFF2-40B4-BE49-F238E27FC236}">
-                <a16:creationId xmlns:a16="http://schemas.microsoft.com/office/drawing/2014/main" id="{8D588E9A-A15F-4D3C-A765-1DEFCD9AFDB1}"/>
-              </a:ext>
-            </a:extLst>
-          </p:cNvPr>
-          <p:cNvSpPr>
-            <a:spLocks noGrp="1"/>
-          </p:cNvSpPr>
-          <p:nvPr>
-            <p:ph type="title"/>
-          </p:nvPr>
-        </p:nvSpPr>
-        <p:spPr>
-          <a:xfrm>
-            <a:off x="0" y="0"/>
-            <a:ext cx="10515600" cy="502155"/>
-          </a:xfrm>
-        </p:spPr>
-        <p:txBody>
-          <a:bodyPr>
-            <a:normAutofit fontScale="90000"/>
-          </a:bodyPr>
-          <a:lstStyle/>
-          <a:p>
-            <a:pPr algn="l"/>
-            <a:r>
-              <a:rPr lang="en-US" dirty="0"/>
-              <a:t>Defaults Screen</a:t>
-            </a:r>
-          </a:p>
-        </p:txBody>
-      </p:sp>
-      <p:sp>
-        <p:nvSpPr>
-          <p:cNvPr id="4" name="Footer Placeholder 3">
-            <a:extLst>
-              <a:ext uri="{FF2B5EF4-FFF2-40B4-BE49-F238E27FC236}">
-                <a16:creationId xmlns:a16="http://schemas.microsoft.com/office/drawing/2014/main" id="{872E140C-9B3D-4B52-9AB6-68148DD4C9C2}"/>
-              </a:ext>
-            </a:extLst>
-          </p:cNvPr>
-          <p:cNvSpPr>
-            <a:spLocks noGrp="1"/>
-          </p:cNvSpPr>
-          <p:nvPr>
-            <p:ph type="ftr" sz="quarter" idx="11"/>
-          </p:nvPr>
-        </p:nvSpPr>
-        <p:spPr/>
-        <p:txBody>
-          <a:bodyPr/>
-          <a:lstStyle/>
-          <a:p>
-            <a:r>
-              <a:rPr lang="en-US" dirty="0"/>
-              <a:t>Easy MDF Door Maker</a:t>
-            </a:r>
-          </a:p>
-        </p:txBody>
-      </p:sp>
-      <p:sp>
-        <p:nvSpPr>
-          <p:cNvPr id="5" name="Slide Number Placeholder 4">
-            <a:extLst>
-              <a:ext uri="{FF2B5EF4-FFF2-40B4-BE49-F238E27FC236}">
-                <a16:creationId xmlns:a16="http://schemas.microsoft.com/office/drawing/2014/main" id="{44BC5CD6-ED68-416F-8458-7D6DC6F6BAD6}"/>
-              </a:ext>
-            </a:extLst>
-          </p:cNvPr>
-          <p:cNvSpPr>
-            <a:spLocks noGrp="1"/>
-          </p:cNvSpPr>
-          <p:nvPr>
-            <p:ph type="sldNum" sz="quarter" idx="12"/>
-          </p:nvPr>
-        </p:nvSpPr>
-        <p:spPr/>
-        <p:txBody>
-          <a:bodyPr/>
-          <a:lstStyle/>
-          <a:p>
-            <a:fld id="{7C986B70-C399-481B-8E1B-1D91C2195225}" type="slidenum">
-              <a:rPr lang="en-US" smtClean="0"/>
-              <a:t>4</a:t>
-            </a:fld>
-            <a:endParaRPr lang="en-US"/>
-          </a:p>
-        </p:txBody>
-      </p:sp>
-      <p:sp>
-        <p:nvSpPr>
-          <p:cNvPr id="7" name="Speech Bubble: Rectangle 6">
-            <a:extLst>
-              <a:ext uri="{FF2B5EF4-FFF2-40B4-BE49-F238E27FC236}">
-                <a16:creationId xmlns:a16="http://schemas.microsoft.com/office/drawing/2014/main" id="{FF36E16D-DB5F-4017-BC08-7372501AEA41}"/>
-              </a:ext>
-            </a:extLst>
-          </p:cNvPr>
-          <p:cNvSpPr/>
-          <p:nvPr/>
-        </p:nvSpPr>
-        <p:spPr>
-          <a:xfrm>
-            <a:off x="10415505" y="1261145"/>
-            <a:ext cx="1676400" cy="1166723"/>
-          </a:xfrm>
-          <a:prstGeom prst="wedgeRectCallout">
-            <a:avLst>
-              <a:gd name="adj1" fmla="val -277846"/>
-              <a:gd name="adj2" fmla="val 73861"/>
-            </a:avLst>
-          </a:prstGeom>
-        </p:spPr>
-        <p:style>
-          <a:lnRef idx="2">
-            <a:schemeClr val="accent1">
-              <a:shade val="50000"/>
-            </a:schemeClr>
-          </a:lnRef>
-          <a:fillRef idx="1">
-            <a:schemeClr val="accent1"/>
-          </a:fillRef>
-          <a:effectRef idx="0">
-            <a:schemeClr val="accent1"/>
-          </a:effectRef>
-          <a:fontRef idx="minor">
-            <a:schemeClr val="lt1"/>
-          </a:fontRef>
-        </p:style>
-        <p:txBody>
-          <a:bodyPr rtlCol="0" anchor="ctr"/>
-          <a:lstStyle/>
-          <a:p>
-            <a:pPr algn="ctr"/>
-            <a:r>
-              <a:rPr lang="en-US" dirty="0"/>
-              <a:t>Number of Doors per Row in the drawing</a:t>
-            </a:r>
-          </a:p>
-        </p:txBody>
-      </p:sp>
-      <p:sp>
-        <p:nvSpPr>
-          <p:cNvPr id="8" name="Speech Bubble: Rectangle 7">
-            <a:extLst>
-              <a:ext uri="{FF2B5EF4-FFF2-40B4-BE49-F238E27FC236}">
-                <a16:creationId xmlns:a16="http://schemas.microsoft.com/office/drawing/2014/main" id="{94EFB2B8-701D-406A-B039-98B9E1DB2378}"/>
-              </a:ext>
-            </a:extLst>
-          </p:cNvPr>
-          <p:cNvSpPr/>
-          <p:nvPr/>
-        </p:nvSpPr>
-        <p:spPr>
-          <a:xfrm>
-            <a:off x="4523874" y="157084"/>
-            <a:ext cx="3898231" cy="525706"/>
-          </a:xfrm>
-          <a:prstGeom prst="wedgeRectCallout">
-            <a:avLst>
-              <a:gd name="adj1" fmla="val -13195"/>
-              <a:gd name="adj2" fmla="val 317051"/>
-            </a:avLst>
-          </a:prstGeom>
-        </p:spPr>
-        <p:style>
-          <a:lnRef idx="2">
-            <a:schemeClr val="accent1">
-              <a:shade val="50000"/>
-            </a:schemeClr>
-          </a:lnRef>
-          <a:fillRef idx="1">
-            <a:schemeClr val="accent1"/>
-          </a:fillRef>
-          <a:effectRef idx="0">
-            <a:schemeClr val="accent1"/>
-          </a:effectRef>
-          <a:fontRef idx="minor">
-            <a:schemeClr val="lt1"/>
-          </a:fontRef>
-        </p:style>
-        <p:txBody>
-          <a:bodyPr rtlCol="0" anchor="ctr"/>
-          <a:lstStyle/>
-          <a:p>
-            <a:pPr algn="ctr"/>
-            <a:r>
-              <a:rPr lang="en-US" dirty="0"/>
-              <a:t>Distance Between Doors (See drawing)</a:t>
-            </a:r>
-          </a:p>
-        </p:txBody>
-      </p:sp>
-      <p:sp>
-        <p:nvSpPr>
-          <p:cNvPr id="9" name="Speech Bubble: Rectangle 8">
-            <a:extLst>
-              <a:ext uri="{FF2B5EF4-FFF2-40B4-BE49-F238E27FC236}">
-                <a16:creationId xmlns:a16="http://schemas.microsoft.com/office/drawing/2014/main" id="{6BC16E71-2329-487E-B035-B63FF96050D4}"/>
-              </a:ext>
-            </a:extLst>
-          </p:cNvPr>
-          <p:cNvSpPr/>
-          <p:nvPr/>
-        </p:nvSpPr>
-        <p:spPr>
-          <a:xfrm>
-            <a:off x="139032" y="2363450"/>
-            <a:ext cx="1676400" cy="394200"/>
-          </a:xfrm>
-          <a:prstGeom prst="wedgeRectCallout">
-            <a:avLst>
-              <a:gd name="adj1" fmla="val 124452"/>
-              <a:gd name="adj2" fmla="val 293893"/>
-            </a:avLst>
-          </a:prstGeom>
-        </p:spPr>
-        <p:style>
-          <a:lnRef idx="2">
-            <a:schemeClr val="accent1">
-              <a:shade val="50000"/>
-            </a:schemeClr>
-          </a:lnRef>
-          <a:fillRef idx="1">
-            <a:schemeClr val="accent1"/>
-          </a:fillRef>
-          <a:effectRef idx="0">
-            <a:schemeClr val="accent1"/>
-          </a:effectRef>
-          <a:fontRef idx="minor">
-            <a:schemeClr val="lt1"/>
-          </a:fontRef>
-        </p:style>
-        <p:txBody>
-          <a:bodyPr rtlCol="0" anchor="ctr"/>
-          <a:lstStyle/>
-          <a:p>
-            <a:pPr algn="ctr"/>
-            <a:r>
-              <a:rPr lang="en-US" dirty="0"/>
-              <a:t>Layer Names</a:t>
-            </a:r>
-          </a:p>
-        </p:txBody>
-      </p:sp>
-      <p:sp>
-        <p:nvSpPr>
-          <p:cNvPr id="10" name="Speech Bubble: Rectangle 9">
-            <a:extLst>
-              <a:ext uri="{FF2B5EF4-FFF2-40B4-BE49-F238E27FC236}">
-                <a16:creationId xmlns:a16="http://schemas.microsoft.com/office/drawing/2014/main" id="{1DB55E21-CAF5-492A-A6AF-86C8CB0081EB}"/>
-              </a:ext>
-            </a:extLst>
-          </p:cNvPr>
-          <p:cNvSpPr/>
-          <p:nvPr/>
-        </p:nvSpPr>
-        <p:spPr>
-          <a:xfrm>
-            <a:off x="52412" y="3429000"/>
-            <a:ext cx="2021867" cy="1074821"/>
-          </a:xfrm>
-          <a:prstGeom prst="wedgeRectCallout">
-            <a:avLst>
-              <a:gd name="adj1" fmla="val 72860"/>
-              <a:gd name="adj2" fmla="val 59405"/>
-            </a:avLst>
-          </a:prstGeom>
-        </p:spPr>
-        <p:style>
-          <a:lnRef idx="2">
-            <a:schemeClr val="accent1">
-              <a:shade val="50000"/>
-            </a:schemeClr>
-          </a:lnRef>
-          <a:fillRef idx="1">
-            <a:schemeClr val="accent1"/>
-          </a:fillRef>
-          <a:effectRef idx="0">
-            <a:schemeClr val="accent1"/>
-          </a:effectRef>
-          <a:fontRef idx="minor">
-            <a:schemeClr val="lt1"/>
-          </a:fontRef>
-        </p:style>
-        <p:txBody>
-          <a:bodyPr rtlCol="0" anchor="ctr"/>
-          <a:lstStyle/>
-          <a:p>
-            <a:pPr algn="ctr"/>
-            <a:r>
-              <a:rPr lang="en-US" sz="1600" dirty="0"/>
-              <a:t>Makes a Seed CSV File (based on current drawing Units)</a:t>
-            </a:r>
-          </a:p>
-        </p:txBody>
-      </p:sp>
-      <p:sp>
-        <p:nvSpPr>
-          <p:cNvPr id="14" name="Left Brace 13">
-            <a:extLst>
-              <a:ext uri="{FF2B5EF4-FFF2-40B4-BE49-F238E27FC236}">
-                <a16:creationId xmlns:a16="http://schemas.microsoft.com/office/drawing/2014/main" id="{2DC60980-FD71-4239-AF84-3372BF35461E}"/>
-              </a:ext>
-            </a:extLst>
-          </p:cNvPr>
-          <p:cNvSpPr/>
-          <p:nvPr/>
-        </p:nvSpPr>
-        <p:spPr>
-          <a:xfrm>
-            <a:off x="3025274" y="3252453"/>
-            <a:ext cx="393032" cy="943907"/>
-          </a:xfrm>
-          <a:prstGeom prst="leftBrace">
-            <a:avLst/>
-          </a:prstGeom>
-        </p:spPr>
-        <p:style>
-          <a:lnRef idx="1">
-            <a:schemeClr val="accent1"/>
-          </a:lnRef>
-          <a:fillRef idx="0">
-            <a:schemeClr val="accent1"/>
-          </a:fillRef>
-          <a:effectRef idx="0">
-            <a:schemeClr val="accent1"/>
-          </a:effectRef>
-          <a:fontRef idx="minor">
-            <a:schemeClr val="tx1"/>
-          </a:fontRef>
-        </p:style>
-        <p:txBody>
-          <a:bodyPr rtlCol="0" anchor="ctr"/>
-          <a:lstStyle/>
-          <a:p>
-            <a:pPr algn="ctr"/>
-            <a:endParaRPr lang="en-US"/>
-          </a:p>
-        </p:txBody>
-      </p:sp>
-      <p:sp>
-        <p:nvSpPr>
-          <p:cNvPr id="15" name="Speech Bubble: Rectangle 14">
-            <a:extLst>
-              <a:ext uri="{FF2B5EF4-FFF2-40B4-BE49-F238E27FC236}">
-                <a16:creationId xmlns:a16="http://schemas.microsoft.com/office/drawing/2014/main" id="{25C82213-155B-4D8D-81E1-6682A4ED6425}"/>
-              </a:ext>
-            </a:extLst>
-          </p:cNvPr>
-          <p:cNvSpPr/>
-          <p:nvPr/>
-        </p:nvSpPr>
-        <p:spPr>
-          <a:xfrm>
-            <a:off x="10415505" y="2533853"/>
-            <a:ext cx="1676400" cy="882561"/>
-          </a:xfrm>
-          <a:prstGeom prst="wedgeRectCallout">
-            <a:avLst>
-              <a:gd name="adj1" fmla="val -279641"/>
-              <a:gd name="adj2" fmla="val 12101"/>
-            </a:avLst>
-          </a:prstGeom>
-        </p:spPr>
-        <p:style>
-          <a:lnRef idx="2">
-            <a:schemeClr val="accent1">
-              <a:shade val="50000"/>
-            </a:schemeClr>
-          </a:lnRef>
-          <a:fillRef idx="1">
-            <a:schemeClr val="accent1"/>
-          </a:fillRef>
-          <a:effectRef idx="0">
-            <a:schemeClr val="accent1"/>
-          </a:effectRef>
-          <a:fontRef idx="minor">
-            <a:schemeClr val="lt1"/>
-          </a:fontRef>
-        </p:style>
-        <p:txBody>
-          <a:bodyPr rtlCol="0" anchor="ctr"/>
-          <a:lstStyle/>
-          <a:p>
-            <a:pPr algn="ctr"/>
-            <a:r>
-              <a:rPr lang="en-US" dirty="0"/>
-              <a:t>Inter profile Bit Clearance</a:t>
-            </a:r>
-          </a:p>
-        </p:txBody>
-      </p:sp>
-      <p:sp>
-        <p:nvSpPr>
-          <p:cNvPr id="17" name="Speech Bubble: Rectangle 16">
-            <a:extLst>
-              <a:ext uri="{FF2B5EF4-FFF2-40B4-BE49-F238E27FC236}">
-                <a16:creationId xmlns:a16="http://schemas.microsoft.com/office/drawing/2014/main" id="{F940784A-261F-49EA-B99B-B5A9945745D1}"/>
-              </a:ext>
-            </a:extLst>
-          </p:cNvPr>
-          <p:cNvSpPr/>
-          <p:nvPr/>
-        </p:nvSpPr>
-        <p:spPr>
-          <a:xfrm>
-            <a:off x="52411" y="5033100"/>
-            <a:ext cx="2021867" cy="935900"/>
-          </a:xfrm>
-          <a:prstGeom prst="wedgeRectCallout">
-            <a:avLst>
-              <a:gd name="adj1" fmla="val 69563"/>
-              <a:gd name="adj2" fmla="val -46335"/>
-            </a:avLst>
-          </a:prstGeom>
-        </p:spPr>
-        <p:style>
-          <a:lnRef idx="2">
-            <a:schemeClr val="accent1">
-              <a:shade val="50000"/>
-            </a:schemeClr>
-          </a:lnRef>
-          <a:fillRef idx="1">
-            <a:schemeClr val="accent1"/>
-          </a:fillRef>
-          <a:effectRef idx="0">
-            <a:schemeClr val="accent1"/>
-          </a:effectRef>
-          <a:fontRef idx="minor">
-            <a:schemeClr val="lt1"/>
-          </a:fontRef>
-        </p:style>
-        <p:txBody>
-          <a:bodyPr rtlCol="0" anchor="ctr"/>
-          <a:lstStyle/>
-          <a:p>
-            <a:pPr algn="ctr"/>
-            <a:r>
-              <a:rPr lang="en-US" sz="1600" dirty="0"/>
-              <a:t>Select where to make the Seed CSV File</a:t>
-            </a:r>
-          </a:p>
-        </p:txBody>
-      </p:sp>
-    </p:spTree>
-    <p:extLst>
-      <p:ext uri="{BB962C8B-B14F-4D97-AF65-F5344CB8AC3E}">
-        <p14:creationId xmlns:p14="http://schemas.microsoft.com/office/powerpoint/2010/main" val="2041422462"/>
+        <p14:creationId xmlns:p14="http://schemas.microsoft.com/office/powerpoint/2010/main" val="2260804467"/>
       </p:ext>
     </p:extLst>
   </p:cSld>
@@ -8223,6 +8265,42 @@
           <a:chExt cx="0" cy="0"/>
         </a:xfrm>
       </p:grpSpPr>
+      <p:pic>
+        <p:nvPicPr>
+          <p:cNvPr id="11" name="Picture 10" descr="Graphical user interface, text, application, email&#10;&#10;Description automatically generated">
+            <a:extLst>
+              <a:ext uri="{FF2B5EF4-FFF2-40B4-BE49-F238E27FC236}">
+                <a16:creationId xmlns:a16="http://schemas.microsoft.com/office/drawing/2014/main" id="{1D5DAF84-ED40-4916-8D8C-A4CB7AF6BA30}"/>
+              </a:ext>
+            </a:extLst>
+          </p:cNvPr>
+          <p:cNvPicPr>
+            <a:picLocks noChangeAspect="1"/>
+          </p:cNvPicPr>
+          <p:nvPr/>
+        </p:nvPicPr>
+        <p:blipFill>
+          <a:blip r:embed="rId2">
+            <a:extLst>
+              <a:ext uri="{28A0092B-C50C-407E-A947-70E740481C1C}">
+                <a14:useLocalDpi xmlns:a14="http://schemas.microsoft.com/office/drawing/2010/main" val="0"/>
+              </a:ext>
+            </a:extLst>
+          </a:blip>
+          <a:stretch>
+            <a:fillRect/>
+          </a:stretch>
+        </p:blipFill>
+        <p:spPr>
+          <a:xfrm>
+            <a:off x="2579335" y="1034747"/>
+            <a:ext cx="7535211" cy="4788506"/>
+          </a:xfrm>
+          <a:prstGeom prst="rect">
+            <a:avLst/>
+          </a:prstGeom>
+        </p:spPr>
+      </p:pic>
       <p:sp>
         <p:nvSpPr>
           <p:cNvPr id="2" name="Title 1">
@@ -8241,8 +8319,8 @@
         </p:nvSpPr>
         <p:spPr>
           <a:xfrm>
-            <a:off x="0" y="1"/>
-            <a:ext cx="10515600" cy="489284"/>
+            <a:off x="0" y="0"/>
+            <a:ext cx="10515600" cy="502155"/>
           </a:xfrm>
         </p:spPr>
         <p:txBody>
@@ -8254,7 +8332,7 @@
             <a:pPr algn="l"/>
             <a:r>
               <a:rPr lang="en-US" dirty="0"/>
-              <a:t>About Screen</a:t>
+              <a:t>Defaults Screen</a:t>
             </a:r>
           </a:p>
         </p:txBody>
@@ -8281,10 +8359,9 @@
           <a:lstStyle/>
           <a:p>
             <a:r>
-              <a:rPr lang="en-US"/>
+              <a:rPr lang="en-US" dirty="0"/>
               <a:t>Easy MDF Door Maker</a:t>
             </a:r>
-            <a:endParaRPr lang="en-US" dirty="0"/>
           </a:p>
         </p:txBody>
       </p:sp>
@@ -8312,6 +8389,486 @@
             <a:fld id="{7C986B70-C399-481B-8E1B-1D91C2195225}" type="slidenum">
               <a:rPr lang="en-US" smtClean="0"/>
               <a:t>5</a:t>
+            </a:fld>
+            <a:endParaRPr lang="en-US"/>
+          </a:p>
+        </p:txBody>
+      </p:sp>
+      <p:sp>
+        <p:nvSpPr>
+          <p:cNvPr id="7" name="Speech Bubble: Rectangle 6">
+            <a:extLst>
+              <a:ext uri="{FF2B5EF4-FFF2-40B4-BE49-F238E27FC236}">
+                <a16:creationId xmlns:a16="http://schemas.microsoft.com/office/drawing/2014/main" id="{FF36E16D-DB5F-4017-BC08-7372501AEA41}"/>
+              </a:ext>
+            </a:extLst>
+          </p:cNvPr>
+          <p:cNvSpPr/>
+          <p:nvPr/>
+        </p:nvSpPr>
+        <p:spPr>
+          <a:xfrm>
+            <a:off x="10415505" y="1261145"/>
+            <a:ext cx="1676400" cy="1166723"/>
+          </a:xfrm>
+          <a:prstGeom prst="wedgeRectCallout">
+            <a:avLst>
+              <a:gd name="adj1" fmla="val -274497"/>
+              <a:gd name="adj2" fmla="val 46362"/>
+            </a:avLst>
+          </a:prstGeom>
+        </p:spPr>
+        <p:style>
+          <a:lnRef idx="2">
+            <a:schemeClr val="accent1">
+              <a:shade val="50000"/>
+            </a:schemeClr>
+          </a:lnRef>
+          <a:fillRef idx="1">
+            <a:schemeClr val="accent1"/>
+          </a:fillRef>
+          <a:effectRef idx="0">
+            <a:schemeClr val="accent1"/>
+          </a:effectRef>
+          <a:fontRef idx="minor">
+            <a:schemeClr val="lt1"/>
+          </a:fontRef>
+        </p:style>
+        <p:txBody>
+          <a:bodyPr rtlCol="0" anchor="ctr"/>
+          <a:lstStyle/>
+          <a:p>
+            <a:pPr algn="ctr"/>
+            <a:r>
+              <a:rPr lang="en-US" dirty="0"/>
+              <a:t>Number of Doors per Row in the drawing</a:t>
+            </a:r>
+          </a:p>
+        </p:txBody>
+      </p:sp>
+      <p:sp>
+        <p:nvSpPr>
+          <p:cNvPr id="8" name="Speech Bubble: Rectangle 7">
+            <a:extLst>
+              <a:ext uri="{FF2B5EF4-FFF2-40B4-BE49-F238E27FC236}">
+                <a16:creationId xmlns:a16="http://schemas.microsoft.com/office/drawing/2014/main" id="{94EFB2B8-701D-406A-B039-98B9E1DB2378}"/>
+              </a:ext>
+            </a:extLst>
+          </p:cNvPr>
+          <p:cNvSpPr/>
+          <p:nvPr/>
+        </p:nvSpPr>
+        <p:spPr>
+          <a:xfrm>
+            <a:off x="4523874" y="157084"/>
+            <a:ext cx="3898231" cy="525706"/>
+          </a:xfrm>
+          <a:prstGeom prst="wedgeRectCallout">
+            <a:avLst>
+              <a:gd name="adj1" fmla="val -16076"/>
+              <a:gd name="adj2" fmla="val 283484"/>
+            </a:avLst>
+          </a:prstGeom>
+        </p:spPr>
+        <p:style>
+          <a:lnRef idx="2">
+            <a:schemeClr val="accent1">
+              <a:shade val="50000"/>
+            </a:schemeClr>
+          </a:lnRef>
+          <a:fillRef idx="1">
+            <a:schemeClr val="accent1"/>
+          </a:fillRef>
+          <a:effectRef idx="0">
+            <a:schemeClr val="accent1"/>
+          </a:effectRef>
+          <a:fontRef idx="minor">
+            <a:schemeClr val="lt1"/>
+          </a:fontRef>
+        </p:style>
+        <p:txBody>
+          <a:bodyPr rtlCol="0" anchor="ctr"/>
+          <a:lstStyle/>
+          <a:p>
+            <a:pPr algn="ctr"/>
+            <a:r>
+              <a:rPr lang="en-US" dirty="0"/>
+              <a:t>Distance Between Doors (See drawing)</a:t>
+            </a:r>
+          </a:p>
+        </p:txBody>
+      </p:sp>
+      <p:sp>
+        <p:nvSpPr>
+          <p:cNvPr id="9" name="Speech Bubble: Rectangle 8">
+            <a:extLst>
+              <a:ext uri="{FF2B5EF4-FFF2-40B4-BE49-F238E27FC236}">
+                <a16:creationId xmlns:a16="http://schemas.microsoft.com/office/drawing/2014/main" id="{6BC16E71-2329-487E-B035-B63FF96050D4}"/>
+              </a:ext>
+            </a:extLst>
+          </p:cNvPr>
+          <p:cNvSpPr/>
+          <p:nvPr/>
+        </p:nvSpPr>
+        <p:spPr>
+          <a:xfrm>
+            <a:off x="139032" y="2363450"/>
+            <a:ext cx="1676400" cy="394200"/>
+          </a:xfrm>
+          <a:prstGeom prst="wedgeRectCallout">
+            <a:avLst>
+              <a:gd name="adj1" fmla="val 119189"/>
+              <a:gd name="adj2" fmla="val 249128"/>
+            </a:avLst>
+          </a:prstGeom>
+        </p:spPr>
+        <p:style>
+          <a:lnRef idx="2">
+            <a:schemeClr val="accent1">
+              <a:shade val="50000"/>
+            </a:schemeClr>
+          </a:lnRef>
+          <a:fillRef idx="1">
+            <a:schemeClr val="accent1"/>
+          </a:fillRef>
+          <a:effectRef idx="0">
+            <a:schemeClr val="accent1"/>
+          </a:effectRef>
+          <a:fontRef idx="minor">
+            <a:schemeClr val="lt1"/>
+          </a:fontRef>
+        </p:style>
+        <p:txBody>
+          <a:bodyPr rtlCol="0" anchor="ctr"/>
+          <a:lstStyle/>
+          <a:p>
+            <a:pPr algn="ctr"/>
+            <a:r>
+              <a:rPr lang="en-US" dirty="0"/>
+              <a:t>Layer Names</a:t>
+            </a:r>
+          </a:p>
+        </p:txBody>
+      </p:sp>
+      <p:sp>
+        <p:nvSpPr>
+          <p:cNvPr id="10" name="Speech Bubble: Rectangle 9">
+            <a:extLst>
+              <a:ext uri="{FF2B5EF4-FFF2-40B4-BE49-F238E27FC236}">
+                <a16:creationId xmlns:a16="http://schemas.microsoft.com/office/drawing/2014/main" id="{1DB55E21-CAF5-492A-A6AF-86C8CB0081EB}"/>
+              </a:ext>
+            </a:extLst>
+          </p:cNvPr>
+          <p:cNvSpPr/>
+          <p:nvPr/>
+        </p:nvSpPr>
+        <p:spPr>
+          <a:xfrm>
+            <a:off x="334498" y="3490329"/>
+            <a:ext cx="2021867" cy="1074821"/>
+          </a:xfrm>
+          <a:prstGeom prst="wedgeRectCallout">
+            <a:avLst>
+              <a:gd name="adj1" fmla="val 72860"/>
+              <a:gd name="adj2" fmla="val 59405"/>
+            </a:avLst>
+          </a:prstGeom>
+        </p:spPr>
+        <p:style>
+          <a:lnRef idx="2">
+            <a:schemeClr val="accent1">
+              <a:shade val="50000"/>
+            </a:schemeClr>
+          </a:lnRef>
+          <a:fillRef idx="1">
+            <a:schemeClr val="accent1"/>
+          </a:fillRef>
+          <a:effectRef idx="0">
+            <a:schemeClr val="accent1"/>
+          </a:effectRef>
+          <a:fontRef idx="minor">
+            <a:schemeClr val="lt1"/>
+          </a:fontRef>
+        </p:style>
+        <p:txBody>
+          <a:bodyPr rtlCol="0" anchor="ctr"/>
+          <a:lstStyle/>
+          <a:p>
+            <a:pPr algn="ctr"/>
+            <a:r>
+              <a:rPr lang="en-US" sz="1600" dirty="0"/>
+              <a:t>Makes a Seed CSV File (based on current drawing Units)</a:t>
+            </a:r>
+          </a:p>
+        </p:txBody>
+      </p:sp>
+      <p:sp>
+        <p:nvSpPr>
+          <p:cNvPr id="14" name="Left Brace 13">
+            <a:extLst>
+              <a:ext uri="{FF2B5EF4-FFF2-40B4-BE49-F238E27FC236}">
+                <a16:creationId xmlns:a16="http://schemas.microsoft.com/office/drawing/2014/main" id="{2DC60980-FD71-4239-AF84-3372BF35461E}"/>
+              </a:ext>
+            </a:extLst>
+          </p:cNvPr>
+          <p:cNvSpPr/>
+          <p:nvPr/>
+        </p:nvSpPr>
+        <p:spPr>
+          <a:xfrm>
+            <a:off x="3025274" y="2919663"/>
+            <a:ext cx="393032" cy="1276697"/>
+          </a:xfrm>
+          <a:prstGeom prst="leftBrace">
+            <a:avLst/>
+          </a:prstGeom>
+        </p:spPr>
+        <p:style>
+          <a:lnRef idx="2">
+            <a:schemeClr val="dk1"/>
+          </a:lnRef>
+          <a:fillRef idx="0">
+            <a:schemeClr val="dk1"/>
+          </a:fillRef>
+          <a:effectRef idx="1">
+            <a:schemeClr val="dk1"/>
+          </a:effectRef>
+          <a:fontRef idx="minor">
+            <a:schemeClr val="tx1"/>
+          </a:fontRef>
+        </p:style>
+        <p:txBody>
+          <a:bodyPr rtlCol="0" anchor="ctr"/>
+          <a:lstStyle/>
+          <a:p>
+            <a:pPr algn="ctr"/>
+            <a:endParaRPr lang="en-US"/>
+          </a:p>
+        </p:txBody>
+      </p:sp>
+      <p:sp>
+        <p:nvSpPr>
+          <p:cNvPr id="15" name="Speech Bubble: Rectangle 14">
+            <a:extLst>
+              <a:ext uri="{FF2B5EF4-FFF2-40B4-BE49-F238E27FC236}">
+                <a16:creationId xmlns:a16="http://schemas.microsoft.com/office/drawing/2014/main" id="{25C82213-155B-4D8D-81E1-6682A4ED6425}"/>
+              </a:ext>
+            </a:extLst>
+          </p:cNvPr>
+          <p:cNvSpPr/>
+          <p:nvPr/>
+        </p:nvSpPr>
+        <p:spPr>
+          <a:xfrm>
+            <a:off x="10415505" y="2533853"/>
+            <a:ext cx="1676400" cy="882561"/>
+          </a:xfrm>
+          <a:prstGeom prst="wedgeRectCallout">
+            <a:avLst>
+              <a:gd name="adj1" fmla="val -272464"/>
+              <a:gd name="adj2" fmla="val -27888"/>
+            </a:avLst>
+          </a:prstGeom>
+        </p:spPr>
+        <p:style>
+          <a:lnRef idx="2">
+            <a:schemeClr val="accent1">
+              <a:shade val="50000"/>
+            </a:schemeClr>
+          </a:lnRef>
+          <a:fillRef idx="1">
+            <a:schemeClr val="accent1"/>
+          </a:fillRef>
+          <a:effectRef idx="0">
+            <a:schemeClr val="accent1"/>
+          </a:effectRef>
+          <a:fontRef idx="minor">
+            <a:schemeClr val="lt1"/>
+          </a:fontRef>
+        </p:style>
+        <p:txBody>
+          <a:bodyPr rtlCol="0" anchor="ctr"/>
+          <a:lstStyle/>
+          <a:p>
+            <a:pPr algn="ctr"/>
+            <a:r>
+              <a:rPr lang="en-US" dirty="0"/>
+              <a:t>Inter profile Bit Clearance</a:t>
+            </a:r>
+          </a:p>
+        </p:txBody>
+      </p:sp>
+      <p:sp>
+        <p:nvSpPr>
+          <p:cNvPr id="17" name="Speech Bubble: Rectangle 16">
+            <a:extLst>
+              <a:ext uri="{FF2B5EF4-FFF2-40B4-BE49-F238E27FC236}">
+                <a16:creationId xmlns:a16="http://schemas.microsoft.com/office/drawing/2014/main" id="{F940784A-261F-49EA-B99B-B5A9945745D1}"/>
+              </a:ext>
+            </a:extLst>
+          </p:cNvPr>
+          <p:cNvSpPr/>
+          <p:nvPr/>
+        </p:nvSpPr>
+        <p:spPr>
+          <a:xfrm>
+            <a:off x="304940" y="5033100"/>
+            <a:ext cx="2021867" cy="935900"/>
+          </a:xfrm>
+          <a:prstGeom prst="wedgeRectCallout">
+            <a:avLst>
+              <a:gd name="adj1" fmla="val 69563"/>
+              <a:gd name="adj2" fmla="val -46335"/>
+            </a:avLst>
+          </a:prstGeom>
+        </p:spPr>
+        <p:style>
+          <a:lnRef idx="2">
+            <a:schemeClr val="accent1">
+              <a:shade val="50000"/>
+            </a:schemeClr>
+          </a:lnRef>
+          <a:fillRef idx="1">
+            <a:schemeClr val="accent1"/>
+          </a:fillRef>
+          <a:effectRef idx="0">
+            <a:schemeClr val="accent1"/>
+          </a:effectRef>
+          <a:fontRef idx="minor">
+            <a:schemeClr val="lt1"/>
+          </a:fontRef>
+        </p:style>
+        <p:txBody>
+          <a:bodyPr rtlCol="0" anchor="ctr"/>
+          <a:lstStyle/>
+          <a:p>
+            <a:pPr algn="ctr"/>
+            <a:r>
+              <a:rPr lang="en-US" sz="1600" dirty="0"/>
+              <a:t>Select where to make the Seed CSV File</a:t>
+            </a:r>
+          </a:p>
+        </p:txBody>
+      </p:sp>
+    </p:spTree>
+    <p:extLst>
+      <p:ext uri="{BB962C8B-B14F-4D97-AF65-F5344CB8AC3E}">
+        <p14:creationId xmlns:p14="http://schemas.microsoft.com/office/powerpoint/2010/main" val="2041422462"/>
+      </p:ext>
+    </p:extLst>
+  </p:cSld>
+  <p:clrMapOvr>
+    <a:masterClrMapping/>
+  </p:clrMapOvr>
+</p:sld>
+</file>
+
+<file path=ppt/slides/slide6.xml><?xml version="1.0" encoding="utf-8"?>
+<p:sld xmlns:a="http://schemas.openxmlformats.org/drawingml/2006/main" xmlns:r="http://schemas.openxmlformats.org/officeDocument/2006/relationships" xmlns:p="http://schemas.openxmlformats.org/presentationml/2006/main">
+  <p:cSld>
+    <p:spTree>
+      <p:nvGrpSpPr>
+        <p:cNvPr id="1" name=""/>
+        <p:cNvGrpSpPr/>
+        <p:nvPr/>
+      </p:nvGrpSpPr>
+      <p:grpSpPr>
+        <a:xfrm>
+          <a:off x="0" y="0"/>
+          <a:ext cx="0" cy="0"/>
+          <a:chOff x="0" y="0"/>
+          <a:chExt cx="0" cy="0"/>
+        </a:xfrm>
+      </p:grpSpPr>
+      <p:sp>
+        <p:nvSpPr>
+          <p:cNvPr id="2" name="Title 1">
+            <a:extLst>
+              <a:ext uri="{FF2B5EF4-FFF2-40B4-BE49-F238E27FC236}">
+                <a16:creationId xmlns:a16="http://schemas.microsoft.com/office/drawing/2014/main" id="{8D588E9A-A15F-4D3C-A765-1DEFCD9AFDB1}"/>
+              </a:ext>
+            </a:extLst>
+          </p:cNvPr>
+          <p:cNvSpPr>
+            <a:spLocks noGrp="1"/>
+          </p:cNvSpPr>
+          <p:nvPr>
+            <p:ph type="title"/>
+          </p:nvPr>
+        </p:nvSpPr>
+        <p:spPr>
+          <a:xfrm>
+            <a:off x="0" y="1"/>
+            <a:ext cx="10515600" cy="489284"/>
+          </a:xfrm>
+        </p:spPr>
+        <p:txBody>
+          <a:bodyPr>
+            <a:normAutofit fontScale="90000"/>
+          </a:bodyPr>
+          <a:lstStyle/>
+          <a:p>
+            <a:pPr algn="l"/>
+            <a:r>
+              <a:rPr lang="en-US" dirty="0"/>
+              <a:t>About Screen</a:t>
+            </a:r>
+          </a:p>
+        </p:txBody>
+      </p:sp>
+      <p:sp>
+        <p:nvSpPr>
+          <p:cNvPr id="4" name="Footer Placeholder 3">
+            <a:extLst>
+              <a:ext uri="{FF2B5EF4-FFF2-40B4-BE49-F238E27FC236}">
+                <a16:creationId xmlns:a16="http://schemas.microsoft.com/office/drawing/2014/main" id="{872E140C-9B3D-4B52-9AB6-68148DD4C9C2}"/>
+              </a:ext>
+            </a:extLst>
+          </p:cNvPr>
+          <p:cNvSpPr>
+            <a:spLocks noGrp="1"/>
+          </p:cNvSpPr>
+          <p:nvPr>
+            <p:ph type="ftr" sz="quarter" idx="11"/>
+          </p:nvPr>
+        </p:nvSpPr>
+        <p:spPr/>
+        <p:txBody>
+          <a:bodyPr/>
+          <a:lstStyle/>
+          <a:p>
+            <a:r>
+              <a:rPr lang="en-US"/>
+              <a:t>Easy MDF Door Maker</a:t>
+            </a:r>
+            <a:endParaRPr lang="en-US" dirty="0"/>
+          </a:p>
+        </p:txBody>
+      </p:sp>
+      <p:sp>
+        <p:nvSpPr>
+          <p:cNvPr id="5" name="Slide Number Placeholder 4">
+            <a:extLst>
+              <a:ext uri="{FF2B5EF4-FFF2-40B4-BE49-F238E27FC236}">
+                <a16:creationId xmlns:a16="http://schemas.microsoft.com/office/drawing/2014/main" id="{44BC5CD6-ED68-416F-8458-7D6DC6F6BAD6}"/>
+              </a:ext>
+            </a:extLst>
+          </p:cNvPr>
+          <p:cNvSpPr>
+            <a:spLocks noGrp="1"/>
+          </p:cNvSpPr>
+          <p:nvPr>
+            <p:ph type="sldNum" sz="quarter" idx="12"/>
+          </p:nvPr>
+        </p:nvSpPr>
+        <p:spPr/>
+        <p:txBody>
+          <a:bodyPr/>
+          <a:lstStyle/>
+          <a:p>
+            <a:fld id="{7C986B70-C399-481B-8E1B-1D91C2195225}" type="slidenum">
+              <a:rPr lang="en-US" smtClean="0"/>
+              <a:t>6</a:t>
             </a:fld>
             <a:endParaRPr lang="en-US"/>
           </a:p>
@@ -8366,7 +8923,7 @@
 </p:sld>
 </file>
 
-<file path=ppt/slides/slide6.xml><?xml version="1.0" encoding="utf-8"?>
+<file path=ppt/slides/slide7.xml><?xml version="1.0" encoding="utf-8"?>
 <p:sld xmlns:a="http://schemas.openxmlformats.org/drawingml/2006/main" xmlns:r="http://schemas.openxmlformats.org/officeDocument/2006/relationships" xmlns:p="http://schemas.openxmlformats.org/presentationml/2006/main">
   <p:cSld>
     <p:spTree>
@@ -8471,7 +9028,7 @@
           <a:p>
             <a:fld id="{7C986B70-C399-481B-8E1B-1D91C2195225}" type="slidenum">
               <a:rPr lang="en-US" smtClean="0"/>
-              <a:t>6</a:t>
+              <a:t>7</a:t>
             </a:fld>
             <a:endParaRPr lang="en-US"/>
           </a:p>
@@ -8652,7 +9209,7 @@
 </p:sld>
 </file>
 
-<file path=ppt/slides/slide7.xml><?xml version="1.0" encoding="utf-8"?>
+<file path=ppt/slides/slide8.xml><?xml version="1.0" encoding="utf-8"?>
 <p:sld xmlns:a="http://schemas.openxmlformats.org/drawingml/2006/main" xmlns:r="http://schemas.openxmlformats.org/officeDocument/2006/relationships" xmlns:p="http://schemas.openxmlformats.org/presentationml/2006/main">
   <p:cSld>
     <p:spTree>
@@ -8757,7 +9314,7 @@
           <a:p>
             <a:fld id="{7C986B70-C399-481B-8E1B-1D91C2195225}" type="slidenum">
               <a:rPr lang="en-US" smtClean="0"/>
-              <a:t>7</a:t>
+              <a:t>8</a:t>
             </a:fld>
             <a:endParaRPr lang="en-US"/>
           </a:p>
@@ -8937,160 +9494,6 @@
     <p:extLst>
       <p:ext uri="{BB962C8B-B14F-4D97-AF65-F5344CB8AC3E}">
         <p14:creationId xmlns:p14="http://schemas.microsoft.com/office/powerpoint/2010/main" val="695405505"/>
-      </p:ext>
-    </p:extLst>
-  </p:cSld>
-  <p:clrMapOvr>
-    <a:masterClrMapping/>
-  </p:clrMapOvr>
-</p:sld>
-</file>
-
-<file path=ppt/slides/slide8.xml><?xml version="1.0" encoding="utf-8"?>
-<p:sld xmlns:a="http://schemas.openxmlformats.org/drawingml/2006/main" xmlns:r="http://schemas.openxmlformats.org/officeDocument/2006/relationships" xmlns:p="http://schemas.openxmlformats.org/presentationml/2006/main">
-  <p:cSld>
-    <p:spTree>
-      <p:nvGrpSpPr>
-        <p:cNvPr id="1" name=""/>
-        <p:cNvGrpSpPr/>
-        <p:nvPr/>
-      </p:nvGrpSpPr>
-      <p:grpSpPr>
-        <a:xfrm>
-          <a:off x="0" y="0"/>
-          <a:ext cx="0" cy="0"/>
-          <a:chOff x="0" y="0"/>
-          <a:chExt cx="0" cy="0"/>
-        </a:xfrm>
-      </p:grpSpPr>
-      <p:sp>
-        <p:nvSpPr>
-          <p:cNvPr id="2" name="Title 1">
-            <a:extLst>
-              <a:ext uri="{FF2B5EF4-FFF2-40B4-BE49-F238E27FC236}">
-                <a16:creationId xmlns:a16="http://schemas.microsoft.com/office/drawing/2014/main" id="{8D588E9A-A15F-4D3C-A765-1DEFCD9AFDB1}"/>
-              </a:ext>
-            </a:extLst>
-          </p:cNvPr>
-          <p:cNvSpPr>
-            <a:spLocks noGrp="1"/>
-          </p:cNvSpPr>
-          <p:nvPr>
-            <p:ph type="title"/>
-          </p:nvPr>
-        </p:nvSpPr>
-        <p:spPr>
-          <a:xfrm>
-            <a:off x="0" y="1"/>
-            <a:ext cx="10515600" cy="505326"/>
-          </a:xfrm>
-        </p:spPr>
-        <p:txBody>
-          <a:bodyPr>
-            <a:normAutofit fontScale="90000"/>
-          </a:bodyPr>
-          <a:lstStyle/>
-          <a:p>
-            <a:pPr algn="l"/>
-            <a:r>
-              <a:rPr lang="en-US" dirty="0"/>
-              <a:t>Using the Nesting Tool</a:t>
-            </a:r>
-          </a:p>
-        </p:txBody>
-      </p:sp>
-      <p:sp>
-        <p:nvSpPr>
-          <p:cNvPr id="4" name="Footer Placeholder 3">
-            <a:extLst>
-              <a:ext uri="{FF2B5EF4-FFF2-40B4-BE49-F238E27FC236}">
-                <a16:creationId xmlns:a16="http://schemas.microsoft.com/office/drawing/2014/main" id="{872E140C-9B3D-4B52-9AB6-68148DD4C9C2}"/>
-              </a:ext>
-            </a:extLst>
-          </p:cNvPr>
-          <p:cNvSpPr>
-            <a:spLocks noGrp="1"/>
-          </p:cNvSpPr>
-          <p:nvPr>
-            <p:ph type="ftr" sz="quarter" idx="11"/>
-          </p:nvPr>
-        </p:nvSpPr>
-        <p:spPr/>
-        <p:txBody>
-          <a:bodyPr/>
-          <a:lstStyle/>
-          <a:p>
-            <a:r>
-              <a:rPr lang="en-US"/>
-              <a:t>Easy MDF Door Maker</a:t>
-            </a:r>
-            <a:endParaRPr lang="en-US" dirty="0"/>
-          </a:p>
-        </p:txBody>
-      </p:sp>
-      <p:sp>
-        <p:nvSpPr>
-          <p:cNvPr id="5" name="Slide Number Placeholder 4">
-            <a:extLst>
-              <a:ext uri="{FF2B5EF4-FFF2-40B4-BE49-F238E27FC236}">
-                <a16:creationId xmlns:a16="http://schemas.microsoft.com/office/drawing/2014/main" id="{44BC5CD6-ED68-416F-8458-7D6DC6F6BAD6}"/>
-              </a:ext>
-            </a:extLst>
-          </p:cNvPr>
-          <p:cNvSpPr>
-            <a:spLocks noGrp="1"/>
-          </p:cNvSpPr>
-          <p:nvPr>
-            <p:ph type="sldNum" sz="quarter" idx="12"/>
-          </p:nvPr>
-        </p:nvSpPr>
-        <p:spPr/>
-        <p:txBody>
-          <a:bodyPr/>
-          <a:lstStyle/>
-          <a:p>
-            <a:fld id="{7C986B70-C399-481B-8E1B-1D91C2195225}" type="slidenum">
-              <a:rPr lang="en-US" smtClean="0"/>
-              <a:t>8</a:t>
-            </a:fld>
-            <a:endParaRPr lang="en-US"/>
-          </a:p>
-        </p:txBody>
-      </p:sp>
-      <p:pic>
-        <p:nvPicPr>
-          <p:cNvPr id="6" name="Picture 5">
-            <a:extLst>
-              <a:ext uri="{FF2B5EF4-FFF2-40B4-BE49-F238E27FC236}">
-                <a16:creationId xmlns:a16="http://schemas.microsoft.com/office/drawing/2014/main" id="{DEF28502-B2B6-40BF-BED2-74E565B02457}"/>
-              </a:ext>
-            </a:extLst>
-          </p:cNvPr>
-          <p:cNvPicPr>
-            <a:picLocks noChangeAspect="1"/>
-          </p:cNvPicPr>
-          <p:nvPr/>
-        </p:nvPicPr>
-        <p:blipFill>
-          <a:blip r:embed="rId2"/>
-          <a:stretch>
-            <a:fillRect/>
-          </a:stretch>
-        </p:blipFill>
-        <p:spPr>
-          <a:xfrm>
-            <a:off x="1888435" y="917988"/>
-            <a:ext cx="9896388" cy="5906016"/>
-          </a:xfrm>
-          <a:prstGeom prst="rect">
-            <a:avLst/>
-          </a:prstGeom>
-        </p:spPr>
-      </p:pic>
-    </p:spTree>
-    <p:extLst>
-      <p:ext uri="{BB962C8B-B14F-4D97-AF65-F5344CB8AC3E}">
-        <p14:creationId xmlns:p14="http://schemas.microsoft.com/office/powerpoint/2010/main" val="3012736107"/>
       </p:ext>
     </p:extLst>
   </p:cSld>
@@ -9136,7 +9539,7 @@
         <p:spPr>
           <a:xfrm>
             <a:off x="0" y="1"/>
-            <a:ext cx="10515600" cy="511039"/>
+            <a:ext cx="10515600" cy="505326"/>
           </a:xfrm>
         </p:spPr>
         <p:txBody>
@@ -9148,7 +9551,7 @@
             <a:pPr algn="l"/>
             <a:r>
               <a:rPr lang="en-US" dirty="0"/>
-              <a:t>Edit CSV file in Excel or Text editor</a:t>
+              <a:t>Using the Nesting Tool</a:t>
             </a:r>
           </a:p>
         </p:txBody>
@@ -9213,10 +9616,10 @@
       </p:sp>
       <p:pic>
         <p:nvPicPr>
-          <p:cNvPr id="6" name="Picture 5" descr="Graphical user interface&#10;&#10;Description automatically generated">
+          <p:cNvPr id="6" name="Picture 5">
             <a:extLst>
               <a:ext uri="{FF2B5EF4-FFF2-40B4-BE49-F238E27FC236}">
-                <a16:creationId xmlns:a16="http://schemas.microsoft.com/office/drawing/2014/main" id="{3319AB43-2412-42C2-B7DC-06A5AB11B163}"/>
+                <a16:creationId xmlns:a16="http://schemas.microsoft.com/office/drawing/2014/main" id="{DEF28502-B2B6-40BF-BED2-74E565B02457}"/>
               </a:ext>
             </a:extLst>
           </p:cNvPr>
@@ -9226,51 +9629,15 @@
           <p:nvPr/>
         </p:nvPicPr>
         <p:blipFill>
-          <a:blip r:embed="rId2">
-            <a:extLst>
-              <a:ext uri="{28A0092B-C50C-407E-A947-70E740481C1C}">
-                <a14:useLocalDpi xmlns:a14="http://schemas.microsoft.com/office/drawing/2010/main" val="0"/>
-              </a:ext>
-            </a:extLst>
-          </a:blip>
+          <a:blip r:embed="rId2"/>
           <a:stretch>
             <a:fillRect/>
           </a:stretch>
         </p:blipFill>
         <p:spPr>
           <a:xfrm>
-            <a:off x="262543" y="891832"/>
-            <a:ext cx="6523285" cy="5464013"/>
-          </a:xfrm>
-          <a:prstGeom prst="rect">
-            <a:avLst/>
-          </a:prstGeom>
-        </p:spPr>
-      </p:pic>
-      <p:pic>
-        <p:nvPicPr>
-          <p:cNvPr id="8" name="Picture 7">
-            <a:extLst>
-              <a:ext uri="{FF2B5EF4-FFF2-40B4-BE49-F238E27FC236}">
-                <a16:creationId xmlns:a16="http://schemas.microsoft.com/office/drawing/2014/main" id="{C9170950-C07A-4DA7-9E75-DB913D70A37B}"/>
-              </a:ext>
-            </a:extLst>
-          </p:cNvPr>
-          <p:cNvPicPr>
-            <a:picLocks noChangeAspect="1"/>
-          </p:cNvPicPr>
-          <p:nvPr/>
-        </p:nvPicPr>
-        <p:blipFill>
-          <a:blip r:embed="rId3"/>
-          <a:stretch>
-            <a:fillRect/>
-          </a:stretch>
-        </p:blipFill>
-        <p:spPr>
-          <a:xfrm>
-            <a:off x="4366289" y="1325563"/>
-            <a:ext cx="4839077" cy="5303629"/>
+            <a:off x="1888435" y="917988"/>
+            <a:ext cx="9896388" cy="5906016"/>
           </a:xfrm>
           <a:prstGeom prst="rect">
             <a:avLst/>
@@ -9280,7 +9647,7 @@
     </p:spTree>
     <p:extLst>
       <p:ext uri="{BB962C8B-B14F-4D97-AF65-F5344CB8AC3E}">
-        <p14:creationId xmlns:p14="http://schemas.microsoft.com/office/powerpoint/2010/main" val="3473359393"/>
+        <p14:creationId xmlns:p14="http://schemas.microsoft.com/office/powerpoint/2010/main" val="3012736107"/>
       </p:ext>
     </p:extLst>
   </p:cSld>
